--- a/doc/Report/Jun 25 2020.pptx
+++ b/doc/Report/Jun 25 2020.pptx
@@ -5,7 +5,7 @@
     <p:sldMasterId id="2147483648" r:id="rId1"/>
   </p:sldMasterIdLst>
   <p:notesMasterIdLst>
-    <p:notesMasterId r:id="rId12"/>
+    <p:notesMasterId r:id="rId11"/>
   </p:notesMasterIdLst>
   <p:sldIdLst>
     <p:sldId id="271" r:id="rId2"/>
@@ -14,10 +14,9 @@
     <p:sldId id="304" r:id="rId5"/>
     <p:sldId id="310" r:id="rId6"/>
     <p:sldId id="312" r:id="rId7"/>
-    <p:sldId id="311" r:id="rId8"/>
-    <p:sldId id="313" r:id="rId9"/>
-    <p:sldId id="314" r:id="rId10"/>
-    <p:sldId id="315" r:id="rId11"/>
+    <p:sldId id="313" r:id="rId8"/>
+    <p:sldId id="314" r:id="rId9"/>
+    <p:sldId id="315" r:id="rId10"/>
   </p:sldIdLst>
   <p:sldSz cx="12192000" cy="6858000"/>
   <p:notesSz cx="6858000" cy="9144000"/>
@@ -206,7 +205,7 @@
           <a:p>
             <a:fld id="{97BE2177-E45B-449F-AE2E-ED4743253C6D}" type="datetimeFigureOut">
               <a:rPr lang="zh-CN" altLang="en-US" smtClean="0"/>
-              <a:t>2020/6/24</a:t>
+              <a:t>2020/10/3</a:t>
             </a:fld>
             <a:endParaRPr lang="zh-CN" altLang="en-US"/>
           </a:p>
@@ -788,7 +787,7 @@
           <a:p>
             <a:fld id="{B9614994-C529-43AC-BD2C-52D47B0301A5}" type="datetimeFigureOut">
               <a:rPr lang="zh-CN" altLang="en-US" smtClean="0"/>
-              <a:t>2020/6/24</a:t>
+              <a:t>2020/10/3</a:t>
             </a:fld>
             <a:endParaRPr lang="zh-CN" altLang="en-US"/>
           </a:p>
@@ -986,7 +985,7 @@
           <a:p>
             <a:fld id="{B9614994-C529-43AC-BD2C-52D47B0301A5}" type="datetimeFigureOut">
               <a:rPr lang="zh-CN" altLang="en-US" smtClean="0"/>
-              <a:t>2020/6/24</a:t>
+              <a:t>2020/10/3</a:t>
             </a:fld>
             <a:endParaRPr lang="zh-CN" altLang="en-US"/>
           </a:p>
@@ -1194,7 +1193,7 @@
           <a:p>
             <a:fld id="{B9614994-C529-43AC-BD2C-52D47B0301A5}" type="datetimeFigureOut">
               <a:rPr lang="zh-CN" altLang="en-US" smtClean="0"/>
-              <a:t>2020/6/24</a:t>
+              <a:t>2020/10/3</a:t>
             </a:fld>
             <a:endParaRPr lang="zh-CN" altLang="en-US"/>
           </a:p>
@@ -1392,7 +1391,7 @@
           <a:p>
             <a:fld id="{B9614994-C529-43AC-BD2C-52D47B0301A5}" type="datetimeFigureOut">
               <a:rPr lang="zh-CN" altLang="en-US" smtClean="0"/>
-              <a:t>2020/6/24</a:t>
+              <a:t>2020/10/3</a:t>
             </a:fld>
             <a:endParaRPr lang="zh-CN" altLang="en-US"/>
           </a:p>
@@ -1667,7 +1666,7 @@
           <a:p>
             <a:fld id="{B9614994-C529-43AC-BD2C-52D47B0301A5}" type="datetimeFigureOut">
               <a:rPr lang="zh-CN" altLang="en-US" smtClean="0"/>
-              <a:t>2020/6/24</a:t>
+              <a:t>2020/10/3</a:t>
             </a:fld>
             <a:endParaRPr lang="zh-CN" altLang="en-US"/>
           </a:p>
@@ -1932,7 +1931,7 @@
           <a:p>
             <a:fld id="{B9614994-C529-43AC-BD2C-52D47B0301A5}" type="datetimeFigureOut">
               <a:rPr lang="zh-CN" altLang="en-US" smtClean="0"/>
-              <a:t>2020/6/24</a:t>
+              <a:t>2020/10/3</a:t>
             </a:fld>
             <a:endParaRPr lang="zh-CN" altLang="en-US"/>
           </a:p>
@@ -2344,7 +2343,7 @@
           <a:p>
             <a:fld id="{B9614994-C529-43AC-BD2C-52D47B0301A5}" type="datetimeFigureOut">
               <a:rPr lang="zh-CN" altLang="en-US" smtClean="0"/>
-              <a:t>2020/6/24</a:t>
+              <a:t>2020/10/3</a:t>
             </a:fld>
             <a:endParaRPr lang="zh-CN" altLang="en-US"/>
           </a:p>
@@ -2485,7 +2484,7 @@
           <a:p>
             <a:fld id="{B9614994-C529-43AC-BD2C-52D47B0301A5}" type="datetimeFigureOut">
               <a:rPr lang="zh-CN" altLang="en-US" smtClean="0"/>
-              <a:t>2020/6/24</a:t>
+              <a:t>2020/10/3</a:t>
             </a:fld>
             <a:endParaRPr lang="zh-CN" altLang="en-US"/>
           </a:p>
@@ -2598,7 +2597,7 @@
           <a:p>
             <a:fld id="{B9614994-C529-43AC-BD2C-52D47B0301A5}" type="datetimeFigureOut">
               <a:rPr lang="zh-CN" altLang="en-US" smtClean="0"/>
-              <a:t>2020/6/24</a:t>
+              <a:t>2020/10/3</a:t>
             </a:fld>
             <a:endParaRPr lang="zh-CN" altLang="en-US"/>
           </a:p>
@@ -2909,7 +2908,7 @@
           <a:p>
             <a:fld id="{B9614994-C529-43AC-BD2C-52D47B0301A5}" type="datetimeFigureOut">
               <a:rPr lang="zh-CN" altLang="en-US" smtClean="0"/>
-              <a:t>2020/6/24</a:t>
+              <a:t>2020/10/3</a:t>
             </a:fld>
             <a:endParaRPr lang="zh-CN" altLang="en-US"/>
           </a:p>
@@ -3197,7 +3196,7 @@
           <a:p>
             <a:fld id="{B9614994-C529-43AC-BD2C-52D47B0301A5}" type="datetimeFigureOut">
               <a:rPr lang="zh-CN" altLang="en-US" smtClean="0"/>
-              <a:t>2020/6/24</a:t>
+              <a:t>2020/10/3</a:t>
             </a:fld>
             <a:endParaRPr lang="zh-CN" altLang="en-US"/>
           </a:p>
@@ -3438,7 +3437,7 @@
           <a:p>
             <a:fld id="{B9614994-C529-43AC-BD2C-52D47B0301A5}" type="datetimeFigureOut">
               <a:rPr lang="zh-CN" altLang="en-US" smtClean="0"/>
-              <a:t>2020/6/24</a:t>
+              <a:t>2020/10/3</a:t>
             </a:fld>
             <a:endParaRPr lang="zh-CN" altLang="en-US"/>
           </a:p>
@@ -4000,150 +3999,6 @@
 </p:sld>
 </file>
 
-<file path=ppt/slides/slide10.xml><?xml version="1.0" encoding="utf-8"?>
-<p:sld xmlns:a="http://schemas.openxmlformats.org/drawingml/2006/main" xmlns:r="http://schemas.openxmlformats.org/officeDocument/2006/relationships" xmlns:p="http://schemas.openxmlformats.org/presentationml/2006/main">
-  <p:cSld>
-    <p:spTree>
-      <p:nvGrpSpPr>
-        <p:cNvPr id="1" name=""/>
-        <p:cNvGrpSpPr/>
-        <p:nvPr/>
-      </p:nvGrpSpPr>
-      <p:grpSpPr>
-        <a:xfrm>
-          <a:off x="0" y="0"/>
-          <a:ext cx="0" cy="0"/>
-          <a:chOff x="0" y="0"/>
-          <a:chExt cx="0" cy="0"/>
-        </a:xfrm>
-      </p:grpSpPr>
-      <p:sp>
-        <p:nvSpPr>
-          <p:cNvPr id="2" name="标题 1">
-            <a:extLst>
-              <a:ext uri="{FF2B5EF4-FFF2-40B4-BE49-F238E27FC236}">
-                <a16:creationId xmlns:a16="http://schemas.microsoft.com/office/drawing/2014/main" id="{BEDBEF88-AB35-4942-B1EC-9A54B6604D04}"/>
-              </a:ext>
-            </a:extLst>
-          </p:cNvPr>
-          <p:cNvSpPr>
-            <a:spLocks noGrp="1"/>
-          </p:cNvSpPr>
-          <p:nvPr>
-            <p:ph type="title"/>
-          </p:nvPr>
-        </p:nvSpPr>
-        <p:spPr>
-          <a:xfrm>
-            <a:off x="792151" y="0"/>
-            <a:ext cx="10515600" cy="1325563"/>
-          </a:xfrm>
-        </p:spPr>
-        <p:txBody>
-          <a:bodyPr/>
-          <a:lstStyle/>
-          <a:p>
-            <a:r>
-              <a:rPr lang="en-US" altLang="zh-CN" dirty="0"/>
-              <a:t>Preliminary Exam</a:t>
-            </a:r>
-          </a:p>
-        </p:txBody>
-      </p:sp>
-      <p:sp>
-        <p:nvSpPr>
-          <p:cNvPr id="3" name="内容占位符 2">
-            <a:extLst>
-              <a:ext uri="{FF2B5EF4-FFF2-40B4-BE49-F238E27FC236}">
-                <a16:creationId xmlns:a16="http://schemas.microsoft.com/office/drawing/2014/main" id="{CE6D2A9E-8667-46D5-9098-4CFA9ED274CB}"/>
-              </a:ext>
-            </a:extLst>
-          </p:cNvPr>
-          <p:cNvSpPr>
-            <a:spLocks noGrp="1"/>
-          </p:cNvSpPr>
-          <p:nvPr>
-            <p:ph idx="1"/>
-          </p:nvPr>
-        </p:nvSpPr>
-        <p:spPr>
-          <a:xfrm>
-            <a:off x="607956" y="1095421"/>
-            <a:ext cx="10515600" cy="4351338"/>
-          </a:xfrm>
-        </p:spPr>
-        <p:txBody>
-          <a:bodyPr>
-            <a:normAutofit/>
-          </a:bodyPr>
-          <a:lstStyle/>
-          <a:p>
-            <a:r>
-              <a:rPr lang="en-US" altLang="zh-CN" dirty="0"/>
-              <a:t>Written Document</a:t>
-            </a:r>
-          </a:p>
-          <a:p>
-            <a:endParaRPr lang="en-US" altLang="zh-CN" dirty="0"/>
-          </a:p>
-          <a:p>
-            <a:pPr lvl="1"/>
-            <a:endParaRPr lang="en-US" altLang="zh-CN" dirty="0"/>
-          </a:p>
-          <a:p>
-            <a:endParaRPr lang="en-US" altLang="zh-CN" u="sng" dirty="0"/>
-          </a:p>
-        </p:txBody>
-      </p:sp>
-      <p:pic>
-        <p:nvPicPr>
-          <p:cNvPr id="9" name="图片 8" descr="社交网站的手机截图&#10;&#10;描述已自动生成">
-            <a:extLst>
-              <a:ext uri="{FF2B5EF4-FFF2-40B4-BE49-F238E27FC236}">
-                <a16:creationId xmlns:a16="http://schemas.microsoft.com/office/drawing/2014/main" id="{B3D077A1-567E-4049-B0E9-883959975187}"/>
-              </a:ext>
-            </a:extLst>
-          </p:cNvPr>
-          <p:cNvPicPr>
-            <a:picLocks noChangeAspect="1"/>
-          </p:cNvPicPr>
-          <p:nvPr/>
-        </p:nvPicPr>
-        <p:blipFill>
-          <a:blip r:embed="rId2">
-            <a:extLst>
-              <a:ext uri="{28A0092B-C50C-407E-A947-70E740481C1C}">
-                <a14:useLocalDpi xmlns:a14="http://schemas.microsoft.com/office/drawing/2010/main" val="0"/>
-              </a:ext>
-            </a:extLst>
-          </a:blip>
-          <a:stretch>
-            <a:fillRect/>
-          </a:stretch>
-        </p:blipFill>
-        <p:spPr>
-          <a:xfrm>
-            <a:off x="2911358" y="1548385"/>
-            <a:ext cx="6277185" cy="5215670"/>
-          </a:xfrm>
-          <a:prstGeom prst="rect">
-            <a:avLst/>
-          </a:prstGeom>
-        </p:spPr>
-      </p:pic>
-    </p:spTree>
-    <p:extLst>
-      <p:ext uri="{BB962C8B-B14F-4D97-AF65-F5344CB8AC3E}">
-        <p14:creationId xmlns:p14="http://schemas.microsoft.com/office/powerpoint/2010/main" val="67385060"/>
-      </p:ext>
-    </p:extLst>
-  </p:cSld>
-  <p:clrMapOvr>
-    <a:masterClrMapping/>
-  </p:clrMapOvr>
-</p:sld>
-</file>
-
 <file path=ppt/slides/slide2.xml><?xml version="1.0" encoding="utf-8"?>
 <p:sld xmlns:a="http://schemas.openxmlformats.org/drawingml/2006/main" xmlns:r="http://schemas.openxmlformats.org/officeDocument/2006/relationships" xmlns:p="http://schemas.openxmlformats.org/presentationml/2006/main">
   <p:cSld>
@@ -5085,7 +4940,7 @@
     </p:spTree>
     <p:extLst>
       <p:ext uri="{BB962C8B-B14F-4D97-AF65-F5344CB8AC3E}">
-        <p14:creationId xmlns:p14="http://schemas.microsoft.com/office/powerpoint/2010/main" val="2883192856"/>
+        <p14:creationId xmlns:p14="http://schemas.microsoft.com/office/powerpoint/2010/main" val="2682394034"/>
       </p:ext>
     </p:extLst>
   </p:cSld>
@@ -5175,14 +5030,14 @@
           <a:p>
             <a:r>
               <a:rPr lang="en-US" altLang="zh-CN" dirty="0"/>
-              <a:t>Committee</a:t>
+              <a:t>Exam Details Form</a:t>
             </a:r>
           </a:p>
           <a:p>
             <a:pPr lvl="1"/>
             <a:r>
               <a:rPr lang="en-US" altLang="zh-CN" dirty="0"/>
-              <a:t>The Graduate School strictly requires approval (including DGS and Graduate School Dean signatures) at least 30 days prior to the Preliminary Exam. Submit the form 6 weeks prior to ensure time for all required signatures.</a:t>
+              <a:t>Please enter your exam details at least three weeks prior to your exam here:</a:t>
             </a:r>
           </a:p>
           <a:p>
@@ -5192,86 +5047,23 @@
           <a:p>
             <a:pPr lvl="1"/>
             <a:r>
-              <a:rPr lang="en-US" altLang="zh-CN" dirty="0"/>
-              <a:t>Five members </a:t>
-            </a:r>
-          </a:p>
-          <a:p>
-            <a:pPr lvl="2"/>
-            <a:r>
-              <a:rPr lang="en-US" altLang="zh-CN" dirty="0"/>
-              <a:t>Academic advisor </a:t>
-            </a:r>
-          </a:p>
-          <a:p>
-            <a:pPr lvl="2"/>
-            <a:r>
-              <a:rPr lang="en-US" altLang="zh-CN" dirty="0"/>
-              <a:t>At least one committee member (the Minor Area Representative (MAR)) must be from a department or ECE field outside of the student’s major research area</a:t>
-            </a:r>
-          </a:p>
-          <a:p>
-            <a:pPr lvl="2"/>
-            <a:r>
-              <a:rPr lang="en-US" altLang="zh-CN" dirty="0"/>
-              <a:t>Potential candidates:</a:t>
-            </a:r>
-          </a:p>
-          <a:p>
-            <a:pPr lvl="3"/>
-            <a:r>
-              <a:rPr lang="en-US" altLang="zh-CN" dirty="0"/>
-              <a:t>Prof. Lawrence Carin</a:t>
-            </a:r>
-          </a:p>
-          <a:p>
-            <a:pPr lvl="3"/>
-            <a:r>
-              <a:rPr lang="en-US" altLang="zh-CN" dirty="0"/>
-              <a:t>Prof. Guillermo </a:t>
-            </a:r>
-            <a:r>
-              <a:rPr lang="en-US" altLang="zh-CN" dirty="0" err="1"/>
-              <a:t>Sapiro</a:t>
+              <a:rPr lang="en-US" altLang="zh-CN" dirty="0">
+                <a:hlinkClick r:id="rId2"/>
+              </a:rPr>
+              <a:t>https://duke.qualtrics.com/jfe/form/SV_bygP2d2XkuLX1gp</a:t>
             </a:r>
             <a:endParaRPr lang="en-US" altLang="zh-CN" dirty="0"/>
-          </a:p>
-          <a:p>
-            <a:pPr lvl="3"/>
-            <a:r>
-              <a:rPr lang="en-US" altLang="zh-CN" dirty="0"/>
-              <a:t>Prof. Jeffrey Krolik</a:t>
-            </a:r>
-          </a:p>
-          <a:p>
-            <a:pPr lvl="3"/>
-            <a:r>
-              <a:rPr lang="en-US" altLang="zh-CN" dirty="0"/>
-              <a:t>Prof. Robert </a:t>
-            </a:r>
-            <a:r>
-              <a:rPr lang="en-US" altLang="zh-CN" dirty="0" err="1"/>
-              <a:t>Calderbank</a:t>
-            </a:r>
-            <a:endParaRPr lang="en-US" altLang="zh-CN" dirty="0"/>
-          </a:p>
-          <a:p>
-            <a:pPr lvl="3"/>
-            <a:r>
-              <a:rPr lang="en-US" altLang="zh-CN" dirty="0"/>
-              <a:t>Prof. Henry D. Pfister</a:t>
-            </a:r>
-          </a:p>
-          <a:p>
-            <a:pPr lvl="3"/>
-            <a:r>
-              <a:rPr lang="en-US" altLang="zh-CN" dirty="0"/>
-              <a:t>…</a:t>
-            </a:r>
           </a:p>
           <a:p>
             <a:pPr lvl="1"/>
             <a:endParaRPr lang="en-US" altLang="zh-CN" dirty="0"/>
+          </a:p>
+          <a:p>
+            <a:pPr lvl="1"/>
+            <a:r>
+              <a:rPr lang="en-US" altLang="zh-CN" dirty="0"/>
+              <a:t>I do not use Prelim Exam as MS Exam to earn MS degree</a:t>
+            </a:r>
           </a:p>
           <a:p>
             <a:pPr lvl="1"/>
@@ -5285,7 +5077,7 @@
     </p:spTree>
     <p:extLst>
       <p:ext uri="{BB962C8B-B14F-4D97-AF65-F5344CB8AC3E}">
-        <p14:creationId xmlns:p14="http://schemas.microsoft.com/office/powerpoint/2010/main" val="2682394034"/>
+        <p14:creationId xmlns:p14="http://schemas.microsoft.com/office/powerpoint/2010/main" val="1969446469"/>
       </p:ext>
     </p:extLst>
   </p:cSld>
@@ -5375,54 +5167,61 @@
           <a:p>
             <a:r>
               <a:rPr lang="en-US" altLang="zh-CN" dirty="0"/>
-              <a:t>Exam Details Form</a:t>
-            </a:r>
-          </a:p>
-          <a:p>
-            <a:pPr lvl="1"/>
-            <a:r>
-              <a:rPr lang="en-US" altLang="zh-CN" dirty="0"/>
-              <a:t>Please enter your exam details at least three weeks prior to your exam here:</a:t>
-            </a:r>
+              <a:t>Written Document</a:t>
+            </a:r>
+          </a:p>
+          <a:p>
+            <a:endParaRPr lang="en-US" altLang="zh-CN" dirty="0"/>
           </a:p>
           <a:p>
             <a:pPr lvl="1"/>
             <a:endParaRPr lang="en-US" altLang="zh-CN" dirty="0"/>
           </a:p>
           <a:p>
-            <a:pPr lvl="1"/>
-            <a:r>
-              <a:rPr lang="en-US" altLang="zh-CN" dirty="0">
-                <a:hlinkClick r:id="rId2"/>
-              </a:rPr>
-              <a:t>https://duke.qualtrics.com/jfe/form/SV_bygP2d2XkuLX1gp</a:t>
-            </a:r>
-            <a:endParaRPr lang="en-US" altLang="zh-CN" dirty="0"/>
-          </a:p>
-          <a:p>
-            <a:pPr lvl="1"/>
-            <a:endParaRPr lang="en-US" altLang="zh-CN" dirty="0"/>
-          </a:p>
-          <a:p>
-            <a:pPr lvl="1"/>
-            <a:r>
-              <a:rPr lang="en-US" altLang="zh-CN" dirty="0"/>
-              <a:t>I do not use Prelim Exam as MS Exam to earn MS degree</a:t>
-            </a:r>
-          </a:p>
-          <a:p>
-            <a:pPr lvl="1"/>
-            <a:endParaRPr lang="en-US" altLang="zh-CN" dirty="0"/>
-          </a:p>
-          <a:p>
             <a:endParaRPr lang="en-US" altLang="zh-CN" u="sng" dirty="0"/>
           </a:p>
         </p:txBody>
       </p:sp>
+      <p:pic>
+        <p:nvPicPr>
+          <p:cNvPr id="9" name="图片 8" descr="社交网站的手机截图&#10;&#10;描述已自动生成">
+            <a:extLst>
+              <a:ext uri="{FF2B5EF4-FFF2-40B4-BE49-F238E27FC236}">
+                <a16:creationId xmlns:a16="http://schemas.microsoft.com/office/drawing/2014/main" id="{B3D077A1-567E-4049-B0E9-883959975187}"/>
+              </a:ext>
+            </a:extLst>
+          </p:cNvPr>
+          <p:cNvPicPr>
+            <a:picLocks noChangeAspect="1"/>
+          </p:cNvPicPr>
+          <p:nvPr/>
+        </p:nvPicPr>
+        <p:blipFill>
+          <a:blip r:embed="rId2">
+            <a:extLst>
+              <a:ext uri="{28A0092B-C50C-407E-A947-70E740481C1C}">
+                <a14:useLocalDpi xmlns:a14="http://schemas.microsoft.com/office/drawing/2010/main" val="0"/>
+              </a:ext>
+            </a:extLst>
+          </a:blip>
+          <a:stretch>
+            <a:fillRect/>
+          </a:stretch>
+        </p:blipFill>
+        <p:spPr>
+          <a:xfrm>
+            <a:off x="2911358" y="1548385"/>
+            <a:ext cx="6277185" cy="5215670"/>
+          </a:xfrm>
+          <a:prstGeom prst="rect">
+            <a:avLst/>
+          </a:prstGeom>
+        </p:spPr>
+      </p:pic>
     </p:spTree>
     <p:extLst>
       <p:ext uri="{BB962C8B-B14F-4D97-AF65-F5344CB8AC3E}">
-        <p14:creationId xmlns:p14="http://schemas.microsoft.com/office/powerpoint/2010/main" val="1969446469"/>
+        <p14:creationId xmlns:p14="http://schemas.microsoft.com/office/powerpoint/2010/main" val="67385060"/>
       </p:ext>
     </p:extLst>
   </p:cSld>
